--- a/SERVIR_github.pptx
+++ b/SERVIR_github.pptx
@@ -5,7 +5,7 @@
     <p:sldMasterId id="2147483648" r:id="rId1"/>
   </p:sldMasterIdLst>
   <p:notesMasterIdLst>
-    <p:notesMasterId r:id="rId17"/>
+    <p:notesMasterId r:id="rId22"/>
   </p:notesMasterIdLst>
   <p:sldIdLst>
     <p:sldId id="256" r:id="rId2"/>
@@ -22,7 +22,12 @@
     <p:sldId id="290" r:id="rId13"/>
     <p:sldId id="285" r:id="rId14"/>
     <p:sldId id="280" r:id="rId15"/>
-    <p:sldId id="274" r:id="rId16"/>
+    <p:sldId id="291" r:id="rId16"/>
+    <p:sldId id="292" r:id="rId17"/>
+    <p:sldId id="293" r:id="rId18"/>
+    <p:sldId id="294" r:id="rId19"/>
+    <p:sldId id="295" r:id="rId20"/>
+    <p:sldId id="274" r:id="rId21"/>
   </p:sldIdLst>
   <p:sldSz cx="9144000" cy="6858000" type="screen4x3"/>
   <p:notesSz cx="6858000" cy="9144000"/>
@@ -4122,7 +4127,7 @@
       </p:grpSpPr>
       <p:sp>
         <p:nvSpPr>
-          <p:cNvPr id="4" name="Title 3"/>
+          <p:cNvPr id="2" name="Title 1"/>
           <p:cNvSpPr>
             <a:spLocks noGrp="1"/>
           </p:cNvSpPr>
@@ -4135,16 +4140,677 @@
           <a:bodyPr/>
           <a:lstStyle/>
           <a:p>
-            <a:pPr algn="ctr"/>
-            <a:r>
-              <a:rPr lang="en-US" sz="1600" dirty="0" smtClean="0"/>
-              <a:t>Please direct any questions or comments to Billy Ashmall billy.ashmall@nasa.gov</a:t>
-            </a:r>
-            <a:endParaRPr lang="en-US" sz="1600" dirty="0"/>
+            <a:r>
+              <a:rPr lang="en-US" dirty="0" smtClean="0"/>
+              <a:t>GitHub Desktop</a:t>
+            </a:r>
+            <a:endParaRPr lang="en-US" dirty="0"/>
+          </a:p>
+        </p:txBody>
+      </p:sp>
+      <p:sp>
+        <p:nvSpPr>
+          <p:cNvPr id="3" name="Text Placeholder 2"/>
+          <p:cNvSpPr>
+            <a:spLocks noGrp="1"/>
+          </p:cNvSpPr>
+          <p:nvPr>
+            <p:ph type="body" sz="quarter" idx="13"/>
+          </p:nvPr>
+        </p:nvSpPr>
+        <p:spPr>
+          <a:xfrm>
+            <a:off x="457200" y="1582737"/>
+            <a:ext cx="8213725" cy="4981835"/>
+          </a:xfrm>
+        </p:spPr>
+        <p:txBody>
+          <a:bodyPr>
+            <a:normAutofit fontScale="85000" lnSpcReduction="10000"/>
+          </a:bodyPr>
+          <a:lstStyle/>
+          <a:p>
+            <a:r>
+              <a:rPr lang="en-US" dirty="0"/>
+              <a:t>GitHub Desktop is the easiest way to get code on </a:t>
+            </a:r>
+            <a:r>
+              <a:rPr lang="en-US" dirty="0" smtClean="0"/>
+              <a:t>GitHub.com</a:t>
+            </a:r>
+          </a:p>
+          <a:p>
+            <a:r>
+              <a:rPr lang="en-US" dirty="0"/>
+              <a:t>You won’t need to learn any command-line instructions, SSH keys, or complicated </a:t>
+            </a:r>
+            <a:r>
+              <a:rPr lang="en-US" dirty="0" err="1"/>
+              <a:t>Git</a:t>
+            </a:r>
+            <a:r>
+              <a:rPr lang="en-US" dirty="0"/>
+              <a:t> </a:t>
+            </a:r>
+            <a:r>
+              <a:rPr lang="en-US" dirty="0" smtClean="0"/>
+              <a:t>terminology</a:t>
+            </a:r>
+          </a:p>
+          <a:p>
+            <a:r>
+              <a:rPr lang="en-US" dirty="0"/>
+              <a:t>All you’ll need is your Mac or Windows computer and a GitHub.com account</a:t>
+            </a:r>
+            <a:r>
+              <a:rPr lang="en-US" dirty="0" smtClean="0"/>
+              <a:t>.</a:t>
+            </a:r>
+          </a:p>
+          <a:p>
+            <a:r>
+              <a:rPr lang="en-US" dirty="0"/>
+              <a:t>You can </a:t>
+            </a:r>
+            <a:r>
+              <a:rPr lang="en-US" dirty="0" smtClean="0"/>
+              <a:t>download GitHub Desktop </a:t>
+            </a:r>
+            <a:r>
+              <a:rPr lang="en-US" dirty="0" smtClean="0">
+                <a:hlinkClick r:id="rId2"/>
+              </a:rPr>
+              <a:t>https://desktop.github.com</a:t>
+            </a:r>
+            <a:r>
+              <a:rPr lang="en-US" dirty="0" smtClean="0"/>
+              <a:t> here. </a:t>
+            </a:r>
+          </a:p>
+          <a:p>
+            <a:r>
+              <a:rPr lang="en-US" dirty="0" smtClean="0"/>
+              <a:t>Once </a:t>
+            </a:r>
+            <a:r>
+              <a:rPr lang="en-US" dirty="0"/>
+              <a:t>you install GitHub Desktop, a short set up wizard will walk you through some basic configuration and will help you connect GitHub Desktop with your GitHub.com account.</a:t>
+            </a:r>
+            <a:endParaRPr lang="en-US" dirty="0"/>
           </a:p>
         </p:txBody>
       </p:sp>
     </p:spTree>
+    <p:extLst>
+      <p:ext uri="{BB962C8B-B14F-4D97-AF65-F5344CB8AC3E}">
+        <p14:creationId xmlns:p14="http://schemas.microsoft.com/office/powerpoint/2010/main" val="2771403409"/>
+      </p:ext>
+    </p:extLst>
+  </p:cSld>
+  <p:clrMapOvr>
+    <a:masterClrMapping/>
+  </p:clrMapOvr>
+  <p:timing>
+    <p:tnLst>
+      <p:par>
+        <p:cTn id="1" dur="indefinite" restart="never" nodeType="tmRoot"/>
+      </p:par>
+    </p:tnLst>
+  </p:timing>
+</p:sld>
+</file>
+
+<file path=ppt/slides/slide16.xml><?xml version="1.0" encoding="utf-8"?>
+<p:sld xmlns:a="http://schemas.openxmlformats.org/drawingml/2006/main" xmlns:r="http://schemas.openxmlformats.org/officeDocument/2006/relationships" xmlns:p="http://schemas.openxmlformats.org/presentationml/2006/main">
+  <p:cSld>
+    <p:spTree>
+      <p:nvGrpSpPr>
+        <p:cNvPr id="1" name=""/>
+        <p:cNvGrpSpPr/>
+        <p:nvPr/>
+      </p:nvGrpSpPr>
+      <p:grpSpPr>
+        <a:xfrm>
+          <a:off x="0" y="0"/>
+          <a:ext cx="0" cy="0"/>
+          <a:chOff x="0" y="0"/>
+          <a:chExt cx="0" cy="0"/>
+        </a:xfrm>
+      </p:grpSpPr>
+      <p:sp>
+        <p:nvSpPr>
+          <p:cNvPr id="2" name="Title 1"/>
+          <p:cNvSpPr>
+            <a:spLocks noGrp="1"/>
+          </p:cNvSpPr>
+          <p:nvPr>
+            <p:ph type="title"/>
+          </p:nvPr>
+        </p:nvSpPr>
+        <p:spPr/>
+        <p:txBody>
+          <a:bodyPr/>
+          <a:lstStyle/>
+          <a:p>
+            <a:r>
+              <a:rPr lang="en-US" dirty="0" smtClean="0"/>
+              <a:t>Clone your repository</a:t>
+            </a:r>
+            <a:endParaRPr lang="en-US" dirty="0"/>
+          </a:p>
+        </p:txBody>
+      </p:sp>
+      <p:sp>
+        <p:nvSpPr>
+          <p:cNvPr id="3" name="Text Placeholder 2"/>
+          <p:cNvSpPr>
+            <a:spLocks noGrp="1"/>
+          </p:cNvSpPr>
+          <p:nvPr>
+            <p:ph type="body" sz="quarter" idx="13"/>
+          </p:nvPr>
+        </p:nvSpPr>
+        <p:spPr>
+          <a:xfrm>
+            <a:off x="457200" y="1582737"/>
+            <a:ext cx="8213725" cy="4872653"/>
+          </a:xfrm>
+        </p:spPr>
+        <p:txBody>
+          <a:bodyPr>
+            <a:normAutofit/>
+          </a:bodyPr>
+          <a:lstStyle/>
+          <a:p>
+            <a:r>
+              <a:rPr lang="en-US" dirty="0" smtClean="0"/>
+              <a:t>Create a local copy of your repository by clicking the +</a:t>
+            </a:r>
+          </a:p>
+          <a:p>
+            <a:r>
+              <a:rPr lang="en-US" dirty="0" smtClean="0"/>
+              <a:t>Click the clone tab and select the repository you want to clone</a:t>
+            </a:r>
+          </a:p>
+          <a:p>
+            <a:r>
+              <a:rPr lang="en-US" dirty="0" smtClean="0"/>
+              <a:t>Select where you would like the repository to reside on your machine.  No need to create the top folder it will be created for you</a:t>
+            </a:r>
+          </a:p>
+          <a:p>
+            <a:r>
+              <a:rPr lang="en-US" dirty="0" smtClean="0"/>
+              <a:t>You now have a local editable copy of your repository</a:t>
+            </a:r>
+            <a:endParaRPr lang="en-US" dirty="0"/>
+          </a:p>
+        </p:txBody>
+      </p:sp>
+    </p:spTree>
+    <p:extLst>
+      <p:ext uri="{BB962C8B-B14F-4D97-AF65-F5344CB8AC3E}">
+        <p14:creationId xmlns:p14="http://schemas.microsoft.com/office/powerpoint/2010/main" val="2265394538"/>
+      </p:ext>
+    </p:extLst>
+  </p:cSld>
+  <p:clrMapOvr>
+    <a:masterClrMapping/>
+  </p:clrMapOvr>
+  <p:timing>
+    <p:tnLst>
+      <p:par>
+        <p:cTn id="1" dur="indefinite" restart="never" nodeType="tmRoot"/>
+      </p:par>
+    </p:tnLst>
+  </p:timing>
+</p:sld>
+</file>
+
+<file path=ppt/slides/slide17.xml><?xml version="1.0" encoding="utf-8"?>
+<p:sld xmlns:a="http://schemas.openxmlformats.org/drawingml/2006/main" xmlns:r="http://schemas.openxmlformats.org/officeDocument/2006/relationships" xmlns:p="http://schemas.openxmlformats.org/presentationml/2006/main">
+  <p:cSld>
+    <p:spTree>
+      <p:nvGrpSpPr>
+        <p:cNvPr id="1" name=""/>
+        <p:cNvGrpSpPr/>
+        <p:nvPr/>
+      </p:nvGrpSpPr>
+      <p:grpSpPr>
+        <a:xfrm>
+          <a:off x="0" y="0"/>
+          <a:ext cx="0" cy="0"/>
+          <a:chOff x="0" y="0"/>
+          <a:chExt cx="0" cy="0"/>
+        </a:xfrm>
+      </p:grpSpPr>
+      <p:sp>
+        <p:nvSpPr>
+          <p:cNvPr id="2" name="Title 1"/>
+          <p:cNvSpPr>
+            <a:spLocks noGrp="1"/>
+          </p:cNvSpPr>
+          <p:nvPr>
+            <p:ph type="title"/>
+          </p:nvPr>
+        </p:nvSpPr>
+        <p:spPr/>
+        <p:txBody>
+          <a:bodyPr/>
+          <a:lstStyle/>
+          <a:p>
+            <a:r>
+              <a:rPr lang="en-US" dirty="0" smtClean="0"/>
+              <a:t>Branch and add code</a:t>
+            </a:r>
+            <a:endParaRPr lang="en-US" dirty="0"/>
+          </a:p>
+        </p:txBody>
+      </p:sp>
+      <p:sp>
+        <p:nvSpPr>
+          <p:cNvPr id="3" name="Text Placeholder 2"/>
+          <p:cNvSpPr>
+            <a:spLocks noGrp="1"/>
+          </p:cNvSpPr>
+          <p:nvPr>
+            <p:ph type="body" sz="quarter" idx="13"/>
+          </p:nvPr>
+        </p:nvSpPr>
+        <p:spPr>
+          <a:xfrm>
+            <a:off x="457200" y="1582738"/>
+            <a:ext cx="8550322" cy="3180331"/>
+          </a:xfrm>
+        </p:spPr>
+        <p:txBody>
+          <a:bodyPr>
+            <a:normAutofit fontScale="92500" lnSpcReduction="20000"/>
+          </a:bodyPr>
+          <a:lstStyle/>
+          <a:p>
+            <a:r>
+              <a:rPr lang="en-US" dirty="0" smtClean="0"/>
+              <a:t>Click the branch button at the top left</a:t>
+            </a:r>
+          </a:p>
+          <a:p>
+            <a:r>
+              <a:rPr lang="en-US" dirty="0" smtClean="0"/>
+              <a:t>Enter name and click create</a:t>
+            </a:r>
+          </a:p>
+          <a:p>
+            <a:r>
+              <a:rPr lang="en-US" dirty="0" smtClean="0"/>
+              <a:t>Click open this repository in Explorer</a:t>
+            </a:r>
+          </a:p>
+          <a:p>
+            <a:r>
+              <a:rPr lang="en-US" dirty="0" smtClean="0"/>
+              <a:t>Right click and add new text file rename it index.html</a:t>
+            </a:r>
+          </a:p>
+          <a:p>
+            <a:r>
+              <a:rPr lang="en-US" dirty="0" smtClean="0"/>
+              <a:t>Open the file in your favorite editor, add some basic html and save</a:t>
+            </a:r>
+            <a:endParaRPr lang="en-US" dirty="0"/>
+          </a:p>
+        </p:txBody>
+      </p:sp>
+      <p:sp>
+        <p:nvSpPr>
+          <p:cNvPr id="4" name="TextBox 3"/>
+          <p:cNvSpPr txBox="1"/>
+          <p:nvPr/>
+        </p:nvSpPr>
+        <p:spPr>
+          <a:xfrm>
+            <a:off x="2567041" y="4568295"/>
+            <a:ext cx="3994042" cy="2308324"/>
+          </a:xfrm>
+          <a:prstGeom prst="rect">
+            <a:avLst/>
+          </a:prstGeom>
+          <a:noFill/>
+        </p:spPr>
+        <p:txBody>
+          <a:bodyPr wrap="none" rtlCol="0">
+            <a:spAutoFit/>
+          </a:bodyPr>
+          <a:lstStyle/>
+          <a:p>
+            <a:r>
+              <a:rPr lang="en-US" dirty="0"/>
+              <a:t>&lt;html&gt;</a:t>
+            </a:r>
+          </a:p>
+          <a:p>
+            <a:r>
+              <a:rPr lang="en-US" dirty="0" smtClean="0"/>
+              <a:t>	&lt;</a:t>
+            </a:r>
+            <a:r>
+              <a:rPr lang="en-US" dirty="0"/>
+              <a:t>head&gt;</a:t>
+            </a:r>
+          </a:p>
+          <a:p>
+            <a:r>
+              <a:rPr lang="en-US" dirty="0" smtClean="0"/>
+              <a:t>		&lt;</a:t>
+            </a:r>
+            <a:r>
+              <a:rPr lang="en-US" dirty="0"/>
+              <a:t>title&gt;Sample&lt;/title&gt;</a:t>
+            </a:r>
+          </a:p>
+          <a:p>
+            <a:r>
+              <a:rPr lang="en-US" dirty="0" smtClean="0"/>
+              <a:t>	&lt;/</a:t>
+            </a:r>
+            <a:r>
+              <a:rPr lang="en-US" dirty="0"/>
+              <a:t>head&gt;</a:t>
+            </a:r>
+          </a:p>
+          <a:p>
+            <a:r>
+              <a:rPr lang="en-US" dirty="0" smtClean="0"/>
+              <a:t>	&lt;</a:t>
+            </a:r>
+            <a:r>
+              <a:rPr lang="en-US" dirty="0"/>
+              <a:t>body&gt;</a:t>
+            </a:r>
+          </a:p>
+          <a:p>
+            <a:r>
+              <a:rPr lang="en-US" dirty="0" smtClean="0"/>
+              <a:t>		&lt;</a:t>
+            </a:r>
+            <a:r>
+              <a:rPr lang="en-US" dirty="0"/>
+              <a:t>h1&gt;This is just a sample&lt;/h1&gt;</a:t>
+            </a:r>
+          </a:p>
+          <a:p>
+            <a:r>
+              <a:rPr lang="en-US" dirty="0" smtClean="0"/>
+              <a:t>	&lt;/</a:t>
+            </a:r>
+            <a:r>
+              <a:rPr lang="en-US" dirty="0"/>
+              <a:t>body&gt;</a:t>
+            </a:r>
+          </a:p>
+          <a:p>
+            <a:r>
+              <a:rPr lang="en-US" dirty="0"/>
+              <a:t>&lt;/html&gt;</a:t>
+            </a:r>
+          </a:p>
+        </p:txBody>
+      </p:sp>
+    </p:spTree>
+    <p:extLst>
+      <p:ext uri="{BB962C8B-B14F-4D97-AF65-F5344CB8AC3E}">
+        <p14:creationId xmlns:p14="http://schemas.microsoft.com/office/powerpoint/2010/main" val="2715833092"/>
+      </p:ext>
+    </p:extLst>
+  </p:cSld>
+  <p:clrMapOvr>
+    <a:masterClrMapping/>
+  </p:clrMapOvr>
+  <p:timing>
+    <p:tnLst>
+      <p:par>
+        <p:cTn id="1" dur="indefinite" restart="never" nodeType="tmRoot"/>
+      </p:par>
+    </p:tnLst>
+  </p:timing>
+</p:sld>
+</file>
+
+<file path=ppt/slides/slide18.xml><?xml version="1.0" encoding="utf-8"?>
+<p:sld xmlns:a="http://schemas.openxmlformats.org/drawingml/2006/main" xmlns:r="http://schemas.openxmlformats.org/officeDocument/2006/relationships" xmlns:p="http://schemas.openxmlformats.org/presentationml/2006/main">
+  <p:cSld>
+    <p:spTree>
+      <p:nvGrpSpPr>
+        <p:cNvPr id="1" name=""/>
+        <p:cNvGrpSpPr/>
+        <p:nvPr/>
+      </p:nvGrpSpPr>
+      <p:grpSpPr>
+        <a:xfrm>
+          <a:off x="0" y="0"/>
+          <a:ext cx="0" cy="0"/>
+          <a:chOff x="0" y="0"/>
+          <a:chExt cx="0" cy="0"/>
+        </a:xfrm>
+      </p:grpSpPr>
+      <p:sp>
+        <p:nvSpPr>
+          <p:cNvPr id="2" name="Title 1"/>
+          <p:cNvSpPr>
+            <a:spLocks noGrp="1"/>
+          </p:cNvSpPr>
+          <p:nvPr>
+            <p:ph type="title"/>
+          </p:nvPr>
+        </p:nvSpPr>
+        <p:spPr/>
+        <p:txBody>
+          <a:bodyPr/>
+          <a:lstStyle/>
+          <a:p>
+            <a:r>
+              <a:rPr lang="en-US" dirty="0" smtClean="0"/>
+              <a:t>Publish and request Pull</a:t>
+            </a:r>
+            <a:endParaRPr lang="en-US" dirty="0"/>
+          </a:p>
+        </p:txBody>
+      </p:sp>
+      <p:sp>
+        <p:nvSpPr>
+          <p:cNvPr id="3" name="Text Placeholder 2"/>
+          <p:cNvSpPr>
+            <a:spLocks noGrp="1"/>
+          </p:cNvSpPr>
+          <p:nvPr>
+            <p:ph type="body" sz="quarter" idx="13"/>
+          </p:nvPr>
+        </p:nvSpPr>
+        <p:spPr/>
+        <p:txBody>
+          <a:bodyPr>
+            <a:normAutofit lnSpcReduction="10000"/>
+          </a:bodyPr>
+          <a:lstStyle/>
+          <a:p>
+            <a:r>
+              <a:rPr lang="en-US" dirty="0" smtClean="0"/>
+              <a:t>Click the publish button.</a:t>
+            </a:r>
+          </a:p>
+          <a:p>
+            <a:r>
+              <a:rPr lang="en-US" dirty="0" smtClean="0"/>
+              <a:t>In the left panel add description</a:t>
+            </a:r>
+          </a:p>
+          <a:p>
+            <a:r>
+              <a:rPr lang="en-US" dirty="0" smtClean="0"/>
+              <a:t>Click Commit to Code-adding-branch</a:t>
+            </a:r>
+          </a:p>
+          <a:p>
+            <a:r>
+              <a:rPr lang="en-US" dirty="0" smtClean="0"/>
+              <a:t>Click the Pull request button</a:t>
+            </a:r>
+          </a:p>
+          <a:p>
+            <a:r>
+              <a:rPr lang="en-US" dirty="0" smtClean="0"/>
+              <a:t>Add description and click Send pull request</a:t>
+            </a:r>
+          </a:p>
+          <a:p>
+            <a:r>
+              <a:rPr lang="en-US" dirty="0" smtClean="0"/>
+              <a:t>Your pull request was created!</a:t>
+            </a:r>
+          </a:p>
+          <a:p>
+            <a:r>
+              <a:rPr lang="en-US" dirty="0" smtClean="0"/>
+              <a:t>Click view it on GitHub and Merge it! (the same way you merged earlier)</a:t>
+            </a:r>
+            <a:endParaRPr lang="en-US" dirty="0"/>
+          </a:p>
+        </p:txBody>
+      </p:sp>
+    </p:spTree>
+    <p:extLst>
+      <p:ext uri="{BB962C8B-B14F-4D97-AF65-F5344CB8AC3E}">
+        <p14:creationId xmlns:p14="http://schemas.microsoft.com/office/powerpoint/2010/main" val="2036937362"/>
+      </p:ext>
+    </p:extLst>
+  </p:cSld>
+  <p:clrMapOvr>
+    <a:masterClrMapping/>
+  </p:clrMapOvr>
+  <p:timing>
+    <p:tnLst>
+      <p:par>
+        <p:cTn id="1" dur="indefinite" restart="never" nodeType="tmRoot"/>
+      </p:par>
+    </p:tnLst>
+  </p:timing>
+</p:sld>
+</file>
+
+<file path=ppt/slides/slide19.xml><?xml version="1.0" encoding="utf-8"?>
+<p:sld xmlns:a="http://schemas.openxmlformats.org/drawingml/2006/main" xmlns:r="http://schemas.openxmlformats.org/officeDocument/2006/relationships" xmlns:p="http://schemas.openxmlformats.org/presentationml/2006/main">
+  <p:cSld>
+    <p:spTree>
+      <p:nvGrpSpPr>
+        <p:cNvPr id="1" name=""/>
+        <p:cNvGrpSpPr/>
+        <p:nvPr/>
+      </p:nvGrpSpPr>
+      <p:grpSpPr>
+        <a:xfrm>
+          <a:off x="0" y="0"/>
+          <a:ext cx="0" cy="0"/>
+          <a:chOff x="0" y="0"/>
+          <a:chExt cx="0" cy="0"/>
+        </a:xfrm>
+      </p:grpSpPr>
+      <p:sp>
+        <p:nvSpPr>
+          <p:cNvPr id="2" name="Title 1"/>
+          <p:cNvSpPr>
+            <a:spLocks noGrp="1"/>
+          </p:cNvSpPr>
+          <p:nvPr>
+            <p:ph type="title"/>
+          </p:nvPr>
+        </p:nvSpPr>
+        <p:spPr/>
+        <p:txBody>
+          <a:bodyPr/>
+          <a:lstStyle/>
+          <a:p>
+            <a:r>
+              <a:rPr lang="en-US" dirty="0" smtClean="0"/>
+              <a:t>Display the index.html page online</a:t>
+            </a:r>
+            <a:endParaRPr lang="en-US" dirty="0"/>
+          </a:p>
+        </p:txBody>
+      </p:sp>
+      <p:sp>
+        <p:nvSpPr>
+          <p:cNvPr id="3" name="Text Placeholder 2"/>
+          <p:cNvSpPr>
+            <a:spLocks noGrp="1"/>
+          </p:cNvSpPr>
+          <p:nvPr>
+            <p:ph type="body" sz="quarter" idx="13"/>
+          </p:nvPr>
+        </p:nvSpPr>
+        <p:spPr/>
+        <p:txBody>
+          <a:bodyPr/>
+          <a:lstStyle/>
+          <a:p>
+            <a:r>
+              <a:rPr lang="en-US" dirty="0" smtClean="0"/>
+              <a:t>Create new branch and name it </a:t>
+            </a:r>
+            <a:r>
+              <a:rPr lang="en-US" dirty="0" err="1" smtClean="0"/>
+              <a:t>gh</a:t>
+            </a:r>
+            <a:r>
+              <a:rPr lang="en-US" dirty="0" smtClean="0"/>
+              <a:t>-pages</a:t>
+            </a:r>
+          </a:p>
+          <a:p>
+            <a:r>
+              <a:rPr lang="en-US" dirty="0" smtClean="0"/>
+              <a:t>In browser navigate to {username}.github.io/{</a:t>
+            </a:r>
+            <a:r>
+              <a:rPr lang="en-US" dirty="0" err="1" smtClean="0"/>
+              <a:t>repositoryName</a:t>
+            </a:r>
+            <a:r>
+              <a:rPr lang="en-US" dirty="0" smtClean="0"/>
+              <a:t>}</a:t>
+            </a:r>
+          </a:p>
+          <a:p>
+            <a:r>
+              <a:rPr lang="en-US" dirty="0"/>
+              <a:t>For example </a:t>
+            </a:r>
+            <a:r>
+              <a:rPr lang="en-US" dirty="0">
+                <a:hlinkClick r:id="rId2"/>
+              </a:rPr>
+              <a:t>http://billyz313.github.io/SERVIR-Github-Demo</a:t>
+            </a:r>
+            <a:r>
+              <a:rPr lang="en-US" dirty="0" smtClean="0">
+                <a:hlinkClick r:id="rId2"/>
+              </a:rPr>
+              <a:t>/</a:t>
+            </a:r>
+            <a:r>
+              <a:rPr lang="en-US" dirty="0" smtClean="0"/>
+              <a:t> </a:t>
+            </a:r>
+            <a:endParaRPr lang="en-US" dirty="0"/>
+          </a:p>
+        </p:txBody>
+      </p:sp>
+    </p:spTree>
+    <p:extLst>
+      <p:ext uri="{BB962C8B-B14F-4D97-AF65-F5344CB8AC3E}">
+        <p14:creationId xmlns:p14="http://schemas.microsoft.com/office/powerpoint/2010/main" val="3420103602"/>
+      </p:ext>
+    </p:extLst>
   </p:cSld>
   <p:clrMapOvr>
     <a:masterClrMapping/>
@@ -4282,6 +4948,62 @@
         <p14:creationId xmlns:p14="http://schemas.microsoft.com/office/powerpoint/2010/main" val="1112591943"/>
       </p:ext>
     </p:extLst>
+  </p:cSld>
+  <p:clrMapOvr>
+    <a:masterClrMapping/>
+  </p:clrMapOvr>
+  <p:timing>
+    <p:tnLst>
+      <p:par>
+        <p:cTn id="1" dur="indefinite" restart="never" nodeType="tmRoot"/>
+      </p:par>
+    </p:tnLst>
+  </p:timing>
+</p:sld>
+</file>
+
+<file path=ppt/slides/slide20.xml><?xml version="1.0" encoding="utf-8"?>
+<p:sld xmlns:a="http://schemas.openxmlformats.org/drawingml/2006/main" xmlns:r="http://schemas.openxmlformats.org/officeDocument/2006/relationships" xmlns:p="http://schemas.openxmlformats.org/presentationml/2006/main">
+  <p:cSld>
+    <p:spTree>
+      <p:nvGrpSpPr>
+        <p:cNvPr id="1" name=""/>
+        <p:cNvGrpSpPr/>
+        <p:nvPr/>
+      </p:nvGrpSpPr>
+      <p:grpSpPr>
+        <a:xfrm>
+          <a:off x="0" y="0"/>
+          <a:ext cx="0" cy="0"/>
+          <a:chOff x="0" y="0"/>
+          <a:chExt cx="0" cy="0"/>
+        </a:xfrm>
+      </p:grpSpPr>
+      <p:sp>
+        <p:nvSpPr>
+          <p:cNvPr id="4" name="Title 3"/>
+          <p:cNvSpPr>
+            <a:spLocks noGrp="1"/>
+          </p:cNvSpPr>
+          <p:nvPr>
+            <p:ph type="title"/>
+          </p:nvPr>
+        </p:nvSpPr>
+        <p:spPr/>
+        <p:txBody>
+          <a:bodyPr/>
+          <a:lstStyle/>
+          <a:p>
+            <a:pPr algn="ctr"/>
+            <a:r>
+              <a:rPr lang="en-US" sz="1600" dirty="0" smtClean="0"/>
+              <a:t>Please direct any questions or comments to Billy Ashmall billy.ashmall@nasa.gov</a:t>
+            </a:r>
+            <a:endParaRPr lang="en-US" sz="1600" dirty="0"/>
+          </a:p>
+        </p:txBody>
+      </p:sp>
+    </p:spTree>
   </p:cSld>
   <p:clrMapOvr>
     <a:masterClrMapping/>

--- a/SERVIR_github.pptx
+++ b/SERVIR_github.pptx
@@ -21,12 +21,12 @@
     <p:sldId id="284" r:id="rId12"/>
     <p:sldId id="290" r:id="rId13"/>
     <p:sldId id="285" r:id="rId14"/>
-    <p:sldId id="280" r:id="rId15"/>
-    <p:sldId id="291" r:id="rId16"/>
-    <p:sldId id="292" r:id="rId17"/>
-    <p:sldId id="293" r:id="rId18"/>
-    <p:sldId id="294" r:id="rId19"/>
-    <p:sldId id="295" r:id="rId20"/>
+    <p:sldId id="291" r:id="rId15"/>
+    <p:sldId id="292" r:id="rId16"/>
+    <p:sldId id="293" r:id="rId17"/>
+    <p:sldId id="294" r:id="rId18"/>
+    <p:sldId id="295" r:id="rId19"/>
+    <p:sldId id="280" r:id="rId20"/>
     <p:sldId id="274" r:id="rId21"/>
   </p:sldIdLst>
   <p:sldSz cx="9144000" cy="6858000" type="screen4x3"/>
@@ -228,7 +228,7 @@
             <a:fld id="{67AF7F29-26BD-49BD-AF8B-0B69192A32A3}" type="datetimeFigureOut">
               <a:rPr lang="en-US" smtClean="0"/>
               <a:pPr/>
-              <a:t>3/23/2016</a:t>
+              <a:t>4/5/2016</a:t>
             </a:fld>
             <a:endParaRPr lang="en-US"/>
           </a:p>
@@ -3356,7 +3356,6 @@
               <a:rPr lang="en-US" dirty="0"/>
               <a:t>GitHub demo/tutorial</a:t>
             </a:r>
-            <a:endParaRPr lang="en-US" dirty="0"/>
           </a:p>
         </p:txBody>
       </p:sp>
@@ -3388,7 +3387,6 @@
               <a:rPr lang="en-US" dirty="0"/>
               <a:t>Global GIT Exchange</a:t>
             </a:r>
-            <a:endParaRPr lang="en-US" dirty="0"/>
           </a:p>
         </p:txBody>
       </p:sp>
@@ -3660,7 +3658,6 @@
               <a:rPr lang="en-US" dirty="0"/>
               <a:t>As soon as you make a commit, you can open a pull request and start a discussion, even before the code is finished.</a:t>
             </a:r>
-            <a:endParaRPr lang="en-US" dirty="0"/>
           </a:p>
         </p:txBody>
       </p:sp>
@@ -3985,31 +3982,14 @@
             <p:ph type="title"/>
           </p:nvPr>
         </p:nvSpPr>
-        <p:spPr>
-          <a:xfrm>
-            <a:off x="457200" y="0"/>
-            <a:ext cx="6034135" cy="981075"/>
-          </a:xfrm>
-        </p:spPr>
+        <p:spPr/>
         <p:txBody>
           <a:bodyPr/>
           <a:lstStyle/>
           <a:p>
             <a:r>
-              <a:rPr lang="en-US" dirty="0"/>
-              <a:t>Here’s what </a:t>
-            </a:r>
-            <a:r>
-              <a:rPr lang="en-US" dirty="0" smtClean="0"/>
-              <a:t>we accomplished </a:t>
-            </a:r>
-            <a:r>
-              <a:rPr lang="en-US" dirty="0"/>
-              <a:t>in </a:t>
-            </a:r>
-            <a:r>
-              <a:rPr lang="en-US" dirty="0" smtClean="0"/>
-              <a:t>this session</a:t>
+              <a:rPr lang="en-US" dirty="0" smtClean="0"/>
+              <a:t>GitHub Desktop</a:t>
             </a:r>
             <a:endParaRPr lang="en-US" dirty="0"/>
           </a:p>
@@ -4027,71 +4007,89 @@
         </p:nvSpPr>
         <p:spPr>
           <a:xfrm>
-            <a:off x="457200" y="1582738"/>
-            <a:ext cx="8213725" cy="4258504"/>
-          </a:xfrm>
-        </p:spPr>
-        <p:txBody>
-          <a:bodyPr/>
+            <a:off x="457200" y="1582737"/>
+            <a:ext cx="8213725" cy="4981835"/>
+          </a:xfrm>
+        </p:spPr>
+        <p:txBody>
+          <a:bodyPr>
+            <a:normAutofit fontScale="85000" lnSpcReduction="10000"/>
+          </a:bodyPr>
           <a:lstStyle/>
           <a:p>
             <a:r>
               <a:rPr lang="en-US" dirty="0"/>
-              <a:t>Created an open source </a:t>
-            </a:r>
-            <a:r>
-              <a:rPr lang="en-US" dirty="0" err="1" smtClean="0"/>
-              <a:t>git</a:t>
-            </a:r>
-            <a:r>
-              <a:rPr lang="en-US" dirty="0" smtClean="0"/>
-              <a:t> repository</a:t>
-            </a:r>
-            <a:endParaRPr lang="en-US" dirty="0"/>
-          </a:p>
-          <a:p>
-            <a:r>
-              <a:rPr lang="en-US" dirty="0"/>
-              <a:t>Started and managed a new branch</a:t>
-            </a:r>
-          </a:p>
-          <a:p>
-            <a:r>
-              <a:rPr lang="en-US" dirty="0"/>
-              <a:t>Changed a file and committed those </a:t>
-            </a:r>
-            <a:r>
-              <a:rPr lang="en-US" dirty="0" smtClean="0"/>
-              <a:t>changes</a:t>
-            </a:r>
-          </a:p>
-          <a:p>
-            <a:r>
-              <a:rPr lang="en-US" dirty="0" smtClean="0"/>
-              <a:t>Opened Pull Request</a:t>
-            </a:r>
-          </a:p>
-          <a:p>
-            <a:r>
-              <a:rPr lang="en-US" dirty="0" smtClean="0"/>
-              <a:t>Merged two branches</a:t>
-            </a:r>
-          </a:p>
-          <a:p>
-            <a:r>
-              <a:rPr lang="en-US" dirty="0" smtClean="0"/>
-              <a:t>Deleted merged branch</a:t>
-            </a:r>
-          </a:p>
-          <a:p>
-            <a:endParaRPr lang="en-US" dirty="0"/>
+              <a:t>GitHub Desktop is the easiest way to get code on </a:t>
+            </a:r>
+            <a:r>
+              <a:rPr lang="en-US" dirty="0" smtClean="0"/>
+              <a:t>GitHub.com</a:t>
+            </a:r>
+          </a:p>
+          <a:p>
+            <a:r>
+              <a:rPr lang="en-US" dirty="0"/>
+              <a:t>You won’t need to learn any command-line instructions, SSH keys, or complicated </a:t>
+            </a:r>
+            <a:r>
+              <a:rPr lang="en-US" dirty="0" err="1"/>
+              <a:t>Git</a:t>
+            </a:r>
+            <a:r>
+              <a:rPr lang="en-US" dirty="0"/>
+              <a:t> </a:t>
+            </a:r>
+            <a:r>
+              <a:rPr lang="en-US" dirty="0" smtClean="0"/>
+              <a:t>terminology</a:t>
+            </a:r>
+          </a:p>
+          <a:p>
+            <a:r>
+              <a:rPr lang="en-US" dirty="0"/>
+              <a:t>All you’ll need is your Mac or Windows computer and a GitHub.com account</a:t>
+            </a:r>
+            <a:r>
+              <a:rPr lang="en-US" dirty="0" smtClean="0"/>
+              <a:t>.</a:t>
+            </a:r>
+          </a:p>
+          <a:p>
+            <a:r>
+              <a:rPr lang="en-US" dirty="0"/>
+              <a:t>You can </a:t>
+            </a:r>
+            <a:r>
+              <a:rPr lang="en-US" dirty="0" smtClean="0"/>
+              <a:t>download GitHub Desktop </a:t>
+            </a:r>
+            <a:r>
+              <a:rPr lang="en-US" dirty="0" smtClean="0">
+                <a:hlinkClick r:id="rId2"/>
+              </a:rPr>
+              <a:t>https://desktop.github.com</a:t>
+            </a:r>
+            <a:r>
+              <a:rPr lang="en-US" dirty="0" smtClean="0"/>
+              <a:t> here. </a:t>
+            </a:r>
+          </a:p>
+          <a:p>
+            <a:r>
+              <a:rPr lang="en-US" dirty="0" smtClean="0"/>
+              <a:t>Once </a:t>
+            </a:r>
+            <a:r>
+              <a:rPr lang="en-US" dirty="0"/>
+              <a:t>you install GitHub Desktop, a short set up wizard will walk you through some basic configuration and will help you connect GitHub Desktop with your GitHub.com account.</a:t>
+            </a:r>
           </a:p>
         </p:txBody>
       </p:sp>
     </p:spTree>
     <p:extLst>
       <p:ext uri="{BB962C8B-B14F-4D97-AF65-F5344CB8AC3E}">
-        <p14:creationId xmlns:p14="http://schemas.microsoft.com/office/powerpoint/2010/main" val="1755626826"/>
+        <p14:creationId xmlns:p14="http://schemas.microsoft.com/office/powerpoint/2010/main" val="2771403409"/>
       </p:ext>
     </p:extLst>
   </p:cSld>
@@ -4142,7 +4140,7 @@
           <a:p>
             <a:r>
               <a:rPr lang="en-US" dirty="0" smtClean="0"/>
-              <a:t>GitHub Desktop</a:t>
+              <a:t>Clone your repository</a:t>
             </a:r>
             <a:endParaRPr lang="en-US" dirty="0"/>
           </a:p>
@@ -4161,80 +4159,36 @@
         <p:spPr>
           <a:xfrm>
             <a:off x="457200" y="1582737"/>
-            <a:ext cx="8213725" cy="4981835"/>
+            <a:ext cx="8213725" cy="4872653"/>
           </a:xfrm>
         </p:spPr>
         <p:txBody>
           <a:bodyPr>
-            <a:normAutofit fontScale="85000" lnSpcReduction="10000"/>
+            <a:normAutofit/>
           </a:bodyPr>
           <a:lstStyle/>
           <a:p>
             <a:r>
-              <a:rPr lang="en-US" dirty="0"/>
-              <a:t>GitHub Desktop is the easiest way to get code on </a:t>
-            </a:r>
-            <a:r>
-              <a:rPr lang="en-US" dirty="0" smtClean="0"/>
-              <a:t>GitHub.com</a:t>
-            </a:r>
-          </a:p>
-          <a:p>
-            <a:r>
-              <a:rPr lang="en-US" dirty="0"/>
-              <a:t>You won’t need to learn any command-line instructions, SSH keys, or complicated </a:t>
-            </a:r>
-            <a:r>
-              <a:rPr lang="en-US" dirty="0" err="1"/>
-              <a:t>Git</a:t>
-            </a:r>
-            <a:r>
-              <a:rPr lang="en-US" dirty="0"/>
-              <a:t> </a:t>
-            </a:r>
-            <a:r>
-              <a:rPr lang="en-US" dirty="0" smtClean="0"/>
-              <a:t>terminology</a:t>
-            </a:r>
-          </a:p>
-          <a:p>
-            <a:r>
-              <a:rPr lang="en-US" dirty="0"/>
-              <a:t>All you’ll need is your Mac or Windows computer and a GitHub.com account</a:t>
-            </a:r>
-            <a:r>
-              <a:rPr lang="en-US" dirty="0" smtClean="0"/>
-              <a:t>.</a:t>
-            </a:r>
-          </a:p>
-          <a:p>
-            <a:r>
-              <a:rPr lang="en-US" dirty="0"/>
-              <a:t>You can </a:t>
-            </a:r>
-            <a:r>
-              <a:rPr lang="en-US" dirty="0" smtClean="0"/>
-              <a:t>download GitHub Desktop </a:t>
-            </a:r>
-            <a:r>
-              <a:rPr lang="en-US" dirty="0" smtClean="0">
-                <a:hlinkClick r:id="rId2"/>
-              </a:rPr>
-              <a:t>https://desktop.github.com</a:t>
-            </a:r>
-            <a:r>
-              <a:rPr lang="en-US" dirty="0" smtClean="0"/>
-              <a:t> here. </a:t>
-            </a:r>
-          </a:p>
-          <a:p>
-            <a:r>
-              <a:rPr lang="en-US" dirty="0" smtClean="0"/>
-              <a:t>Once </a:t>
-            </a:r>
-            <a:r>
-              <a:rPr lang="en-US" dirty="0"/>
-              <a:t>you install GitHub Desktop, a short set up wizard will walk you through some basic configuration and will help you connect GitHub Desktop with your GitHub.com account.</a:t>
+              <a:rPr lang="en-US" dirty="0" smtClean="0"/>
+              <a:t>Create a local copy of your repository by clicking the +</a:t>
+            </a:r>
+          </a:p>
+          <a:p>
+            <a:r>
+              <a:rPr lang="en-US" dirty="0" smtClean="0"/>
+              <a:t>Click the clone tab and select the repository you want to clone</a:t>
+            </a:r>
+          </a:p>
+          <a:p>
+            <a:r>
+              <a:rPr lang="en-US" dirty="0" smtClean="0"/>
+              <a:t>Select where you would like the repository to reside on your machine.  No need to create the top folder it will be created for you</a:t>
+            </a:r>
+          </a:p>
+          <a:p>
+            <a:r>
+              <a:rPr lang="en-US" dirty="0" smtClean="0"/>
+              <a:t>You now have a local editable copy of your repository</a:t>
             </a:r>
             <a:endParaRPr lang="en-US" dirty="0"/>
           </a:p>
@@ -4243,7 +4197,7 @@
     </p:spTree>
     <p:extLst>
       <p:ext uri="{BB962C8B-B14F-4D97-AF65-F5344CB8AC3E}">
-        <p14:creationId xmlns:p14="http://schemas.microsoft.com/office/powerpoint/2010/main" val="2771403409"/>
+        <p14:creationId xmlns:p14="http://schemas.microsoft.com/office/powerpoint/2010/main" val="2265394538"/>
       </p:ext>
     </p:extLst>
   </p:cSld>
@@ -4294,7 +4248,7 @@
           <a:p>
             <a:r>
               <a:rPr lang="en-US" dirty="0" smtClean="0"/>
-              <a:t>Clone your repository</a:t>
+              <a:t>Branch and add code</a:t>
             </a:r>
             <a:endParaRPr lang="en-US" dirty="0"/>
           </a:p>
@@ -4312,46 +4266,147 @@
         </p:nvSpPr>
         <p:spPr>
           <a:xfrm>
-            <a:off x="457200" y="1582737"/>
-            <a:ext cx="8213725" cy="4872653"/>
+            <a:off x="457200" y="1582738"/>
+            <a:ext cx="8550322" cy="3180331"/>
           </a:xfrm>
         </p:spPr>
         <p:txBody>
           <a:bodyPr>
-            <a:normAutofit/>
+            <a:normAutofit fontScale="92500" lnSpcReduction="20000"/>
           </a:bodyPr>
           <a:lstStyle/>
           <a:p>
             <a:r>
               <a:rPr lang="en-US" dirty="0" smtClean="0"/>
-              <a:t>Create a local copy of your repository by clicking the +</a:t>
-            </a:r>
-          </a:p>
-          <a:p>
-            <a:r>
-              <a:rPr lang="en-US" dirty="0" smtClean="0"/>
-              <a:t>Click the clone tab and select the repository you want to clone</a:t>
-            </a:r>
-          </a:p>
-          <a:p>
-            <a:r>
-              <a:rPr lang="en-US" dirty="0" smtClean="0"/>
-              <a:t>Select where you would like the repository to reside on your machine.  No need to create the top folder it will be created for you</a:t>
-            </a:r>
-          </a:p>
-          <a:p>
-            <a:r>
-              <a:rPr lang="en-US" dirty="0" smtClean="0"/>
-              <a:t>You now have a local editable copy of your repository</a:t>
+              <a:t>Click the branch button at the top left</a:t>
+            </a:r>
+          </a:p>
+          <a:p>
+            <a:r>
+              <a:rPr lang="en-US" dirty="0" smtClean="0"/>
+              <a:t>Enter name and click create</a:t>
+            </a:r>
+          </a:p>
+          <a:p>
+            <a:r>
+              <a:rPr lang="en-US" dirty="0" smtClean="0"/>
+              <a:t>Click open this repository in Explorer</a:t>
+            </a:r>
+          </a:p>
+          <a:p>
+            <a:r>
+              <a:rPr lang="en-US" dirty="0" smtClean="0"/>
+              <a:t>Right click and add new text file rename it index.html</a:t>
+            </a:r>
+          </a:p>
+          <a:p>
+            <a:r>
+              <a:rPr lang="en-US" dirty="0" smtClean="0"/>
+              <a:t>Open the file in your favorite editor, add some basic html and save</a:t>
             </a:r>
             <a:endParaRPr lang="en-US" dirty="0"/>
+          </a:p>
+        </p:txBody>
+      </p:sp>
+      <p:sp>
+        <p:nvSpPr>
+          <p:cNvPr id="4" name="TextBox 3"/>
+          <p:cNvSpPr txBox="1"/>
+          <p:nvPr/>
+        </p:nvSpPr>
+        <p:spPr>
+          <a:xfrm>
+            <a:off x="2567041" y="4568295"/>
+            <a:ext cx="3994042" cy="2308324"/>
+          </a:xfrm>
+          <a:prstGeom prst="rect">
+            <a:avLst/>
+          </a:prstGeom>
+          <a:noFill/>
+        </p:spPr>
+        <p:txBody>
+          <a:bodyPr wrap="none" rtlCol="0">
+            <a:spAutoFit/>
+          </a:bodyPr>
+          <a:lstStyle/>
+          <a:p>
+            <a:r>
+              <a:rPr lang="en-US" dirty="0"/>
+              <a:t>&lt;html&gt;</a:t>
+            </a:r>
+          </a:p>
+          <a:p>
+            <a:r>
+              <a:rPr lang="en-US" dirty="0" smtClean="0"/>
+              <a:t>	&lt;</a:t>
+            </a:r>
+            <a:r>
+              <a:rPr lang="en-US" dirty="0"/>
+              <a:t>head&gt;</a:t>
+            </a:r>
+          </a:p>
+          <a:p>
+            <a:r>
+              <a:rPr lang="en-US" dirty="0" smtClean="0"/>
+              <a:t>		&lt;</a:t>
+            </a:r>
+            <a:r>
+              <a:rPr lang="en-US" dirty="0"/>
+              <a:t>title&gt;Sample&lt;/title&gt;</a:t>
+            </a:r>
+          </a:p>
+          <a:p>
+            <a:r>
+              <a:rPr lang="en-US" dirty="0" smtClean="0"/>
+              <a:t>	&lt;/</a:t>
+            </a:r>
+            <a:r>
+              <a:rPr lang="en-US" dirty="0"/>
+              <a:t>head&gt;</a:t>
+            </a:r>
+          </a:p>
+          <a:p>
+            <a:r>
+              <a:rPr lang="en-US" dirty="0" smtClean="0"/>
+              <a:t>	&lt;</a:t>
+            </a:r>
+            <a:r>
+              <a:rPr lang="en-US" dirty="0"/>
+              <a:t>body&gt;</a:t>
+            </a:r>
+          </a:p>
+          <a:p>
+            <a:r>
+              <a:rPr lang="en-US" dirty="0" smtClean="0"/>
+              <a:t>		&lt;</a:t>
+            </a:r>
+            <a:r>
+              <a:rPr lang="en-US" dirty="0"/>
+              <a:t>h1&gt;This is just a sample&lt;/h1&gt;</a:t>
+            </a:r>
+          </a:p>
+          <a:p>
+            <a:r>
+              <a:rPr lang="en-US" dirty="0" smtClean="0"/>
+              <a:t>	&lt;/</a:t>
+            </a:r>
+            <a:r>
+              <a:rPr lang="en-US" dirty="0"/>
+              <a:t>body&gt;</a:t>
+            </a:r>
+          </a:p>
+          <a:p>
+            <a:r>
+              <a:rPr lang="en-US" dirty="0"/>
+              <a:t>&lt;/html&gt;</a:t>
+            </a:r>
           </a:p>
         </p:txBody>
       </p:sp>
     </p:spTree>
     <p:extLst>
       <p:ext uri="{BB962C8B-B14F-4D97-AF65-F5344CB8AC3E}">
-        <p14:creationId xmlns:p14="http://schemas.microsoft.com/office/powerpoint/2010/main" val="2265394538"/>
+        <p14:creationId xmlns:p14="http://schemas.microsoft.com/office/powerpoint/2010/main" val="2715833092"/>
       </p:ext>
     </p:extLst>
   </p:cSld>
@@ -4402,7 +4457,7 @@
           <a:p>
             <a:r>
               <a:rPr lang="en-US" dirty="0" smtClean="0"/>
-              <a:t>Branch and add code</a:t>
+              <a:t>Publish and request Pull</a:t>
             </a:r>
             <a:endParaRPr lang="en-US" dirty="0"/>
           </a:p>
@@ -4418,149 +4473,61 @@
             <p:ph type="body" sz="quarter" idx="13"/>
           </p:nvPr>
         </p:nvSpPr>
-        <p:spPr>
-          <a:xfrm>
-            <a:off x="457200" y="1582738"/>
-            <a:ext cx="8550322" cy="3180331"/>
-          </a:xfrm>
-        </p:spPr>
+        <p:spPr/>
         <p:txBody>
           <a:bodyPr>
-            <a:normAutofit fontScale="92500" lnSpcReduction="20000"/>
+            <a:normAutofit lnSpcReduction="10000"/>
           </a:bodyPr>
           <a:lstStyle/>
           <a:p>
             <a:r>
               <a:rPr lang="en-US" dirty="0" smtClean="0"/>
-              <a:t>Click the branch button at the top left</a:t>
-            </a:r>
-          </a:p>
-          <a:p>
-            <a:r>
-              <a:rPr lang="en-US" dirty="0" smtClean="0"/>
-              <a:t>Enter name and click create</a:t>
-            </a:r>
-          </a:p>
-          <a:p>
-            <a:r>
-              <a:rPr lang="en-US" dirty="0" smtClean="0"/>
-              <a:t>Click open this repository in Explorer</a:t>
-            </a:r>
-          </a:p>
-          <a:p>
-            <a:r>
-              <a:rPr lang="en-US" dirty="0" smtClean="0"/>
-              <a:t>Right click and add new text file rename it index.html</a:t>
-            </a:r>
-          </a:p>
-          <a:p>
-            <a:r>
-              <a:rPr lang="en-US" dirty="0" smtClean="0"/>
-              <a:t>Open the file in your favorite editor, add some basic html and save</a:t>
+              <a:t>Click the publish button.</a:t>
+            </a:r>
+          </a:p>
+          <a:p>
+            <a:r>
+              <a:rPr lang="en-US" dirty="0" smtClean="0"/>
+              <a:t>In the left panel add description</a:t>
+            </a:r>
+          </a:p>
+          <a:p>
+            <a:r>
+              <a:rPr lang="en-US" dirty="0" smtClean="0"/>
+              <a:t>Click Commit to Code-adding-branch</a:t>
+            </a:r>
+          </a:p>
+          <a:p>
+            <a:r>
+              <a:rPr lang="en-US" dirty="0" smtClean="0"/>
+              <a:t>Click the Pull request button</a:t>
+            </a:r>
+          </a:p>
+          <a:p>
+            <a:r>
+              <a:rPr lang="en-US" dirty="0" smtClean="0"/>
+              <a:t>Add description and click Send pull request</a:t>
+            </a:r>
+          </a:p>
+          <a:p>
+            <a:r>
+              <a:rPr lang="en-US" dirty="0" smtClean="0"/>
+              <a:t>Your pull request was created!</a:t>
+            </a:r>
+          </a:p>
+          <a:p>
+            <a:r>
+              <a:rPr lang="en-US" dirty="0" smtClean="0"/>
+              <a:t>Click view it on GitHub and Merge it! (the same way you merged earlier)</a:t>
             </a:r>
             <a:endParaRPr lang="en-US" dirty="0"/>
-          </a:p>
-        </p:txBody>
-      </p:sp>
-      <p:sp>
-        <p:nvSpPr>
-          <p:cNvPr id="4" name="TextBox 3"/>
-          <p:cNvSpPr txBox="1"/>
-          <p:nvPr/>
-        </p:nvSpPr>
-        <p:spPr>
-          <a:xfrm>
-            <a:off x="2567041" y="4568295"/>
-            <a:ext cx="3994042" cy="2308324"/>
-          </a:xfrm>
-          <a:prstGeom prst="rect">
-            <a:avLst/>
-          </a:prstGeom>
-          <a:noFill/>
-        </p:spPr>
-        <p:txBody>
-          <a:bodyPr wrap="none" rtlCol="0">
-            <a:spAutoFit/>
-          </a:bodyPr>
-          <a:lstStyle/>
-          <a:p>
-            <a:r>
-              <a:rPr lang="en-US" dirty="0"/>
-              <a:t>&lt;html&gt;</a:t>
-            </a:r>
-          </a:p>
-          <a:p>
-            <a:r>
-              <a:rPr lang="en-US" dirty="0" smtClean="0"/>
-              <a:t>	&lt;</a:t>
-            </a:r>
-            <a:r>
-              <a:rPr lang="en-US" dirty="0"/>
-              <a:t>head&gt;</a:t>
-            </a:r>
-          </a:p>
-          <a:p>
-            <a:r>
-              <a:rPr lang="en-US" dirty="0" smtClean="0"/>
-              <a:t>		&lt;</a:t>
-            </a:r>
-            <a:r>
-              <a:rPr lang="en-US" dirty="0"/>
-              <a:t>title&gt;Sample&lt;/title&gt;</a:t>
-            </a:r>
-          </a:p>
-          <a:p>
-            <a:r>
-              <a:rPr lang="en-US" dirty="0" smtClean="0"/>
-              <a:t>	&lt;/</a:t>
-            </a:r>
-            <a:r>
-              <a:rPr lang="en-US" dirty="0"/>
-              <a:t>head&gt;</a:t>
-            </a:r>
-          </a:p>
-          <a:p>
-            <a:r>
-              <a:rPr lang="en-US" dirty="0" smtClean="0"/>
-              <a:t>	&lt;</a:t>
-            </a:r>
-            <a:r>
-              <a:rPr lang="en-US" dirty="0"/>
-              <a:t>body&gt;</a:t>
-            </a:r>
-          </a:p>
-          <a:p>
-            <a:r>
-              <a:rPr lang="en-US" dirty="0" smtClean="0"/>
-              <a:t>		&lt;</a:t>
-            </a:r>
-            <a:r>
-              <a:rPr lang="en-US" dirty="0"/>
-              <a:t>h1&gt;This is just a sample&lt;/h1&gt;</a:t>
-            </a:r>
-          </a:p>
-          <a:p>
-            <a:r>
-              <a:rPr lang="en-US" dirty="0" smtClean="0"/>
-              <a:t>	&lt;/</a:t>
-            </a:r>
-            <a:r>
-              <a:rPr lang="en-US" dirty="0"/>
-              <a:t>body&gt;</a:t>
-            </a:r>
-          </a:p>
-          <a:p>
-            <a:r>
-              <a:rPr lang="en-US" dirty="0"/>
-              <a:t>&lt;/html&gt;</a:t>
-            </a:r>
           </a:p>
         </p:txBody>
       </p:sp>
     </p:spTree>
     <p:extLst>
       <p:ext uri="{BB962C8B-B14F-4D97-AF65-F5344CB8AC3E}">
-        <p14:creationId xmlns:p14="http://schemas.microsoft.com/office/powerpoint/2010/main" val="2715833092"/>
+        <p14:creationId xmlns:p14="http://schemas.microsoft.com/office/powerpoint/2010/main" val="2036937362"/>
       </p:ext>
     </p:extLst>
   </p:cSld>
@@ -4611,7 +4578,7 @@
           <a:p>
             <a:r>
               <a:rPr lang="en-US" dirty="0" smtClean="0"/>
-              <a:t>Publish and request Pull</a:t>
+              <a:t>Display the index.html page online</a:t>
             </a:r>
             <a:endParaRPr lang="en-US" dirty="0"/>
           </a:p>
@@ -4629,50 +4596,56 @@
         </p:nvSpPr>
         <p:spPr/>
         <p:txBody>
-          <a:bodyPr>
-            <a:normAutofit lnSpcReduction="10000"/>
-          </a:bodyPr>
+          <a:bodyPr/>
           <a:lstStyle/>
           <a:p>
             <a:r>
               <a:rPr lang="en-US" dirty="0" smtClean="0"/>
-              <a:t>Click the publish button.</a:t>
-            </a:r>
-          </a:p>
-          <a:p>
-            <a:r>
-              <a:rPr lang="en-US" dirty="0" smtClean="0"/>
-              <a:t>In the left panel add description</a:t>
-            </a:r>
-          </a:p>
-          <a:p>
-            <a:r>
-              <a:rPr lang="en-US" dirty="0" smtClean="0"/>
-              <a:t>Click Commit to Code-adding-branch</a:t>
-            </a:r>
-          </a:p>
-          <a:p>
-            <a:r>
-              <a:rPr lang="en-US" dirty="0" smtClean="0"/>
-              <a:t>Click the Pull request button</a:t>
-            </a:r>
-          </a:p>
-          <a:p>
-            <a:r>
-              <a:rPr lang="en-US" dirty="0" smtClean="0"/>
-              <a:t>Add description and click Send pull request</a:t>
-            </a:r>
-          </a:p>
-          <a:p>
-            <a:r>
-              <a:rPr lang="en-US" dirty="0" smtClean="0"/>
-              <a:t>Your pull request was created!</a:t>
-            </a:r>
-          </a:p>
-          <a:p>
-            <a:r>
-              <a:rPr lang="en-US" dirty="0" smtClean="0"/>
-              <a:t>Click view it on GitHub and Merge it! (the same way you merged earlier)</a:t>
+              <a:t>Create new branch and name it </a:t>
+            </a:r>
+            <a:r>
+              <a:rPr lang="en-US" dirty="0" err="1" smtClean="0"/>
+              <a:t>gh</a:t>
+            </a:r>
+            <a:r>
+              <a:rPr lang="en-US" dirty="0" smtClean="0"/>
+              <a:t>-pages</a:t>
+            </a:r>
+          </a:p>
+          <a:p>
+            <a:r>
+              <a:rPr lang="en-US" dirty="0" smtClean="0"/>
+              <a:t>In browser navigate to {username}.github.io/{</a:t>
+            </a:r>
+            <a:r>
+              <a:rPr lang="en-US" dirty="0" err="1" smtClean="0"/>
+              <a:t>repositoryName</a:t>
+            </a:r>
+            <a:r>
+              <a:rPr lang="en-US" dirty="0" smtClean="0"/>
+              <a:t>}</a:t>
+            </a:r>
+          </a:p>
+          <a:p>
+            <a:r>
+              <a:rPr lang="en-US" dirty="0"/>
+              <a:t>For example </a:t>
+            </a:r>
+            <a:r>
+              <a:rPr lang="en-US" dirty="0">
+                <a:hlinkClick r:id="rId2"/>
+              </a:rPr>
+              <a:t>http://billyz313.github.io/SERVIR-Github-Demo</a:t>
+            </a:r>
+            <a:r>
+              <a:rPr lang="en-US" dirty="0" smtClean="0">
+                <a:hlinkClick r:id="rId2"/>
+              </a:rPr>
+              <a:t>/</a:t>
+            </a:r>
+            <a:r>
+              <a:rPr lang="en-US" dirty="0" smtClean="0"/>
+              <a:t> </a:t>
             </a:r>
             <a:endParaRPr lang="en-US" dirty="0"/>
           </a:p>
@@ -4681,7 +4654,7 @@
     </p:spTree>
     <p:extLst>
       <p:ext uri="{BB962C8B-B14F-4D97-AF65-F5344CB8AC3E}">
-        <p14:creationId xmlns:p14="http://schemas.microsoft.com/office/powerpoint/2010/main" val="2036937362"/>
+        <p14:creationId xmlns:p14="http://schemas.microsoft.com/office/powerpoint/2010/main" val="3420103602"/>
       </p:ext>
     </p:extLst>
   </p:cSld>
@@ -4725,14 +4698,31 @@
             <p:ph type="title"/>
           </p:nvPr>
         </p:nvSpPr>
-        <p:spPr/>
+        <p:spPr>
+          <a:xfrm>
+            <a:off x="457200" y="0"/>
+            <a:ext cx="6034135" cy="981075"/>
+          </a:xfrm>
+        </p:spPr>
         <p:txBody>
           <a:bodyPr/>
           <a:lstStyle/>
           <a:p>
             <a:r>
-              <a:rPr lang="en-US" dirty="0" smtClean="0"/>
-              <a:t>Display the index.html page online</a:t>
+              <a:rPr lang="en-US" dirty="0"/>
+              <a:t>Here’s what </a:t>
+            </a:r>
+            <a:r>
+              <a:rPr lang="en-US" dirty="0" smtClean="0"/>
+              <a:t>we accomplished </a:t>
+            </a:r>
+            <a:r>
+              <a:rPr lang="en-US" dirty="0"/>
+              <a:t>in </a:t>
+            </a:r>
+            <a:r>
+              <a:rPr lang="en-US" dirty="0" smtClean="0"/>
+              <a:t>this session</a:t>
             </a:r>
             <a:endParaRPr lang="en-US" dirty="0"/>
           </a:p>
@@ -4748,59 +4738,84 @@
             <p:ph type="body" sz="quarter" idx="13"/>
           </p:nvPr>
         </p:nvSpPr>
-        <p:spPr/>
-        <p:txBody>
-          <a:bodyPr/>
+        <p:spPr>
+          <a:xfrm>
+            <a:off x="457200" y="1582738"/>
+            <a:ext cx="8213725" cy="4927244"/>
+          </a:xfrm>
+        </p:spPr>
+        <p:txBody>
+          <a:bodyPr>
+            <a:normAutofit/>
+          </a:bodyPr>
           <a:lstStyle/>
           <a:p>
             <a:r>
-              <a:rPr lang="en-US" dirty="0" smtClean="0"/>
-              <a:t>Create new branch and name it </a:t>
+              <a:rPr lang="en-US" dirty="0"/>
+              <a:t>Created an open source </a:t>
             </a:r>
             <a:r>
               <a:rPr lang="en-US" dirty="0" err="1" smtClean="0"/>
-              <a:t>gh</a:t>
-            </a:r>
-            <a:r>
-              <a:rPr lang="en-US" dirty="0" smtClean="0"/>
-              <a:t>-pages</a:t>
-            </a:r>
-          </a:p>
-          <a:p>
-            <a:r>
-              <a:rPr lang="en-US" dirty="0" smtClean="0"/>
-              <a:t>In browser navigate to {username}.github.io/{</a:t>
-            </a:r>
-            <a:r>
-              <a:rPr lang="en-US" dirty="0" err="1" smtClean="0"/>
-              <a:t>repositoryName</a:t>
-            </a:r>
-            <a:r>
-              <a:rPr lang="en-US" dirty="0" smtClean="0"/>
-              <a:t>}</a:t>
-            </a:r>
-          </a:p>
-          <a:p>
-            <a:r>
-              <a:rPr lang="en-US" dirty="0"/>
-              <a:t>For example </a:t>
-            </a:r>
-            <a:r>
-              <a:rPr lang="en-US" dirty="0">
-                <a:hlinkClick r:id="rId2"/>
-              </a:rPr>
-              <a:t>http://billyz313.github.io/SERVIR-Github-Demo</a:t>
-            </a:r>
-            <a:r>
-              <a:rPr lang="en-US" dirty="0" smtClean="0">
-                <a:hlinkClick r:id="rId2"/>
-              </a:rPr>
-              <a:t>/</a:t>
-            </a:r>
-            <a:r>
-              <a:rPr lang="en-US" dirty="0" smtClean="0"/>
-              <a:t> </a:t>
-            </a:r>
+              <a:t>git</a:t>
+            </a:r>
+            <a:r>
+              <a:rPr lang="en-US" dirty="0" smtClean="0"/>
+              <a:t> repository</a:t>
+            </a:r>
+            <a:endParaRPr lang="en-US" dirty="0"/>
+          </a:p>
+          <a:p>
+            <a:r>
+              <a:rPr lang="en-US" dirty="0"/>
+              <a:t>Started and managed a new branch</a:t>
+            </a:r>
+          </a:p>
+          <a:p>
+            <a:r>
+              <a:rPr lang="en-US" dirty="0"/>
+              <a:t>Changed a file and committed those </a:t>
+            </a:r>
+            <a:r>
+              <a:rPr lang="en-US" dirty="0" smtClean="0"/>
+              <a:t>changes</a:t>
+            </a:r>
+          </a:p>
+          <a:p>
+            <a:r>
+              <a:rPr lang="en-US" dirty="0" smtClean="0"/>
+              <a:t>Opened Pull Request</a:t>
+            </a:r>
+          </a:p>
+          <a:p>
+            <a:r>
+              <a:rPr lang="en-US" dirty="0" smtClean="0"/>
+              <a:t>Merged two branches</a:t>
+            </a:r>
+          </a:p>
+          <a:p>
+            <a:r>
+              <a:rPr lang="en-US" dirty="0" smtClean="0"/>
+              <a:t>Deleted merged </a:t>
+            </a:r>
+            <a:r>
+              <a:rPr lang="en-US" dirty="0" smtClean="0"/>
+              <a:t>branch</a:t>
+            </a:r>
+          </a:p>
+          <a:p>
+            <a:r>
+              <a:rPr lang="en-US" dirty="0" smtClean="0"/>
+              <a:t>Used GitHub Desktop</a:t>
+            </a:r>
+          </a:p>
+          <a:p>
+            <a:r>
+              <a:rPr lang="en-US" dirty="0" smtClean="0"/>
+              <a:t>Published a branch webpage</a:t>
+            </a:r>
+            <a:endParaRPr lang="en-US" dirty="0" smtClean="0"/>
+          </a:p>
+          <a:p>
             <a:endParaRPr lang="en-US" dirty="0"/>
           </a:p>
         </p:txBody>
@@ -4808,7 +4823,7 @@
     </p:spTree>
     <p:extLst>
       <p:ext uri="{BB962C8B-B14F-4D97-AF65-F5344CB8AC3E}">
-        <p14:creationId xmlns:p14="http://schemas.microsoft.com/office/powerpoint/2010/main" val="3420103602"/>
+        <p14:creationId xmlns:p14="http://schemas.microsoft.com/office/powerpoint/2010/main" val="1755626826"/>
       </p:ext>
     </p:extLst>
   </p:cSld>
@@ -4875,9 +4890,16 @@
             <p:ph type="body" sz="quarter" idx="13"/>
           </p:nvPr>
         </p:nvSpPr>
-        <p:spPr/>
-        <p:txBody>
-          <a:bodyPr/>
+        <p:spPr>
+          <a:xfrm>
+            <a:off x="457200" y="1582737"/>
+            <a:ext cx="8213725" cy="4981835"/>
+          </a:xfrm>
+        </p:spPr>
+        <p:txBody>
+          <a:bodyPr>
+            <a:normAutofit/>
+          </a:bodyPr>
           <a:lstStyle/>
           <a:p>
             <a:r>
@@ -4885,8 +4907,8 @@
               <a:t>What is </a:t>
             </a:r>
             <a:r>
-              <a:rPr lang="en-US" dirty="0" err="1" smtClean="0"/>
-              <a:t>github</a:t>
+              <a:rPr lang="en-US" dirty="0" smtClean="0"/>
+              <a:t>GitHub</a:t>
             </a:r>
             <a:endParaRPr lang="en-US" dirty="0" smtClean="0"/>
           </a:p>
@@ -4937,8 +4959,29 @@
           <a:p>
             <a:r>
               <a:rPr lang="en-US" dirty="0"/>
-              <a:t>Merge your Pull Request</a:t>
-            </a:r>
+              <a:t>Merge your Pull </a:t>
+            </a:r>
+            <a:r>
+              <a:rPr lang="en-US" dirty="0" smtClean="0"/>
+              <a:t>Request</a:t>
+            </a:r>
+          </a:p>
+          <a:p>
+            <a:r>
+              <a:rPr lang="en-US" dirty="0"/>
+              <a:t>How to use GitHub </a:t>
+            </a:r>
+            <a:r>
+              <a:rPr lang="en-US" dirty="0" smtClean="0"/>
+              <a:t>Desktop</a:t>
+            </a:r>
+          </a:p>
+          <a:p>
+            <a:r>
+              <a:rPr lang="en-US" dirty="0"/>
+              <a:t>How to view a site on you GitHub Branch</a:t>
+            </a:r>
+            <a:endParaRPr lang="en-US" dirty="0"/>
           </a:p>
         </p:txBody>
       </p:sp>
@@ -5226,7 +5269,6 @@
               <a:rPr lang="en-US" dirty="0"/>
               <a:t>file with information about your project.</a:t>
             </a:r>
-            <a:endParaRPr lang="en-US" dirty="0"/>
           </a:p>
         </p:txBody>
       </p:sp>
@@ -5340,11 +5382,7 @@
             </a:r>
             <a:r>
               <a:rPr lang="en-US" dirty="0"/>
-              <a:t>select </a:t>
-            </a:r>
-            <a:r>
-              <a:rPr lang="en-US" b="1" dirty="0"/>
-              <a:t>New repository</a:t>
+              <a:t>select New repository</a:t>
             </a:r>
             <a:r>
               <a:rPr lang="en-US" dirty="0" smtClean="0"/>
@@ -5363,8 +5401,8 @@
               <a:t>Click Create </a:t>
             </a:r>
             <a:r>
-              <a:rPr lang="en-US" dirty="0" err="1" smtClean="0"/>
-              <a:t>Repositiory</a:t>
+              <a:rPr lang="en-US" dirty="0" smtClean="0"/>
+              <a:t>Repository</a:t>
             </a:r>
             <a:endParaRPr lang="en-US" dirty="0" smtClean="0"/>
           </a:p>
@@ -5532,12 +5570,8 @@
           <a:lstStyle/>
           <a:p>
             <a:r>
-              <a:rPr lang="en-US" b="1" dirty="0"/>
-              <a:t>Branching</a:t>
-            </a:r>
-            <a:r>
-              <a:rPr lang="en-US" dirty="0"/>
-              <a:t> is the way to work on different versions of a repository at one time</a:t>
+              <a:rPr lang="en-US" dirty="0"/>
+              <a:t>Branching is the way to work on different versions of a repository at one time</a:t>
             </a:r>
             <a:r>
               <a:rPr lang="en-US" dirty="0" smtClean="0"/>
@@ -5671,11 +5705,7 @@
             </a:r>
             <a:r>
               <a:rPr lang="en-US" dirty="0"/>
-              <a:t>says </a:t>
-            </a:r>
-            <a:r>
-              <a:rPr lang="en-US" b="1" dirty="0"/>
-              <a:t>branch: master</a:t>
+              <a:t>says branch: master</a:t>
             </a:r>
             <a:r>
               <a:rPr lang="en-US" dirty="0" smtClean="0"/>
@@ -6302,7 +6332,6 @@
               <a:rPr lang="en-US" dirty="0"/>
               <a:t>you’ve done and why.</a:t>
             </a:r>
-            <a:endParaRPr lang="en-US" dirty="0"/>
           </a:p>
         </p:txBody>
       </p:sp>
